--- a/데통 발표자료.pptx
+++ b/데통 발표자료.pptx
@@ -5,17 +5,16 @@
     <p:sldMasterId id="2147483648" r:id="rId1"/>
   </p:sldMasterIdLst>
   <p:notesMasterIdLst>
-    <p:notesMasterId r:id="rId10"/>
+    <p:notesMasterId r:id="rId9"/>
   </p:notesMasterIdLst>
   <p:sldIdLst>
-    <p:sldId id="256" r:id="rId2"/>
-    <p:sldId id="257" r:id="rId3"/>
-    <p:sldId id="258" r:id="rId4"/>
-    <p:sldId id="262" r:id="rId5"/>
-    <p:sldId id="260" r:id="rId6"/>
-    <p:sldId id="261" r:id="rId7"/>
-    <p:sldId id="259" r:id="rId8"/>
-    <p:sldId id="263" r:id="rId9"/>
+    <p:sldId id="257" r:id="rId2"/>
+    <p:sldId id="258" r:id="rId3"/>
+    <p:sldId id="262" r:id="rId4"/>
+    <p:sldId id="260" r:id="rId5"/>
+    <p:sldId id="261" r:id="rId6"/>
+    <p:sldId id="259" r:id="rId7"/>
+    <p:sldId id="263" r:id="rId8"/>
   </p:sldIdLst>
   <p:sldSz cx="12192000" cy="6858000"/>
   <p:notesSz cx="6858000" cy="9144000"/>
@@ -114,6 +113,11 @@
       </a:defRPr>
     </a:lvl9pPr>
   </p:defaultTextStyle>
+  <p:extLst>
+    <p:ext uri="{EFAFB233-063F-42B5-8137-9DF3F51BA10A}">
+      <p15:sldGuideLst xmlns:p15="http://schemas.microsoft.com/office/powerpoint/2012/main"/>
+    </p:ext>
+  </p:extLst>
 </p:presentation>
 </file>
 
@@ -550,7 +554,7 @@
           <a:p>
             <a:fld id="{4E0A3720-B827-4A1C-96F3-5F55D003E5ED}" type="slidenum">
               <a:rPr lang="ko-KR" altLang="en-US" smtClean="0"/>
-              <a:t>3</a:t>
+              <a:t>2</a:t>
             </a:fld>
             <a:endParaRPr lang="ko-KR" altLang="en-US"/>
           </a:p>
@@ -3771,1031 +3775,6 @@
   <p:cSld>
     <p:spTree>
       <p:nvGrpSpPr>
-        <p:cNvPr id="1" name=""/>
-        <p:cNvGrpSpPr/>
-        <p:nvPr/>
-      </p:nvGrpSpPr>
-      <p:grpSpPr>
-        <a:xfrm>
-          <a:off x="0" y="0"/>
-          <a:ext cx="0" cy="0"/>
-          <a:chOff x="0" y="0"/>
-          <a:chExt cx="0" cy="0"/>
-        </a:xfrm>
-      </p:grpSpPr>
-      <p:sp>
-        <p:nvSpPr>
-          <p:cNvPr id="4" name="직사각형 3">
-            <a:extLst>
-              <a:ext uri="{FF2B5EF4-FFF2-40B4-BE49-F238E27FC236}">
-                <a16:creationId xmlns:a16="http://schemas.microsoft.com/office/drawing/2014/main" id="{93D7F069-BFAD-A12E-15CD-DCE193502627}"/>
-              </a:ext>
-            </a:extLst>
-          </p:cNvPr>
-          <p:cNvSpPr/>
-          <p:nvPr/>
-        </p:nvSpPr>
-        <p:spPr>
-          <a:xfrm>
-            <a:off x="3249283" y="310551"/>
-            <a:ext cx="5555411" cy="1639019"/>
-          </a:xfrm>
-          <a:prstGeom prst="rect">
-            <a:avLst/>
-          </a:prstGeom>
-          <a:ln>
-            <a:noFill/>
-          </a:ln>
-        </p:spPr>
-        <p:style>
-          <a:lnRef idx="2">
-            <a:schemeClr val="accent1">
-              <a:shade val="15000"/>
-            </a:schemeClr>
-          </a:lnRef>
-          <a:fillRef idx="1">
-            <a:schemeClr val="accent1"/>
-          </a:fillRef>
-          <a:effectRef idx="0">
-            <a:schemeClr val="accent1"/>
-          </a:effectRef>
-          <a:fontRef idx="minor">
-            <a:schemeClr val="lt1"/>
-          </a:fontRef>
-        </p:style>
-        <p:txBody>
-          <a:bodyPr rtlCol="0" anchor="ctr"/>
-          <a:lstStyle/>
-          <a:p>
-            <a:pPr algn="ctr"/>
-            <a:r>
-              <a:rPr lang="ko-KR" altLang="en-US" sz="5000" b="1" dirty="0"/>
-              <a:t>서버</a:t>
-            </a:r>
-          </a:p>
-        </p:txBody>
-      </p:sp>
-      <p:sp>
-        <p:nvSpPr>
-          <p:cNvPr id="5" name="직사각형 4">
-            <a:extLst>
-              <a:ext uri="{FF2B5EF4-FFF2-40B4-BE49-F238E27FC236}">
-                <a16:creationId xmlns:a16="http://schemas.microsoft.com/office/drawing/2014/main" id="{C065E599-9C16-D3C9-D8EE-B0D1B7F8BB88}"/>
-              </a:ext>
-            </a:extLst>
-          </p:cNvPr>
-          <p:cNvSpPr/>
-          <p:nvPr/>
-        </p:nvSpPr>
-        <p:spPr>
-          <a:xfrm>
-            <a:off x="437072" y="2178217"/>
-            <a:ext cx="1552755" cy="1495051"/>
-          </a:xfrm>
-          <a:prstGeom prst="rect">
-            <a:avLst/>
-          </a:prstGeom>
-          <a:solidFill>
-            <a:srgbClr val="0070C0"/>
-          </a:solidFill>
-          <a:ln>
-            <a:noFill/>
-          </a:ln>
-        </p:spPr>
-        <p:style>
-          <a:lnRef idx="2">
-            <a:schemeClr val="accent1">
-              <a:shade val="15000"/>
-            </a:schemeClr>
-          </a:lnRef>
-          <a:fillRef idx="1">
-            <a:schemeClr val="accent1"/>
-          </a:fillRef>
-          <a:effectRef idx="0">
-            <a:schemeClr val="accent1"/>
-          </a:effectRef>
-          <a:fontRef idx="minor">
-            <a:schemeClr val="lt1"/>
-          </a:fontRef>
-        </p:style>
-        <p:txBody>
-          <a:bodyPr rtlCol="0" anchor="ctr"/>
-          <a:lstStyle/>
-          <a:p>
-            <a:pPr algn="ctr"/>
-            <a:r>
-              <a:rPr lang="ko-KR" altLang="en-US" sz="2000" b="1" dirty="0"/>
-              <a:t>클라이언트</a:t>
-            </a:r>
-          </a:p>
-        </p:txBody>
-      </p:sp>
-      <p:sp>
-        <p:nvSpPr>
-          <p:cNvPr id="6" name="직사각형 5">
-            <a:extLst>
-              <a:ext uri="{FF2B5EF4-FFF2-40B4-BE49-F238E27FC236}">
-                <a16:creationId xmlns:a16="http://schemas.microsoft.com/office/drawing/2014/main" id="{486869FA-67B2-0619-98E8-4C089D6AFCED}"/>
-              </a:ext>
-            </a:extLst>
-          </p:cNvPr>
-          <p:cNvSpPr/>
-          <p:nvPr/>
-        </p:nvSpPr>
-        <p:spPr>
-          <a:xfrm>
-            <a:off x="715990" y="3973900"/>
-            <a:ext cx="1552755" cy="1495051"/>
-          </a:xfrm>
-          <a:prstGeom prst="rect">
-            <a:avLst/>
-          </a:prstGeom>
-          <a:solidFill>
-            <a:srgbClr val="0070C0"/>
-          </a:solidFill>
-          <a:ln>
-            <a:noFill/>
-          </a:ln>
-        </p:spPr>
-        <p:style>
-          <a:lnRef idx="2">
-            <a:schemeClr val="accent1">
-              <a:shade val="15000"/>
-            </a:schemeClr>
-          </a:lnRef>
-          <a:fillRef idx="1">
-            <a:schemeClr val="accent1"/>
-          </a:fillRef>
-          <a:effectRef idx="0">
-            <a:schemeClr val="accent1"/>
-          </a:effectRef>
-          <a:fontRef idx="minor">
-            <a:schemeClr val="lt1"/>
-          </a:fontRef>
-        </p:style>
-        <p:txBody>
-          <a:bodyPr rtlCol="0" anchor="ctr"/>
-          <a:lstStyle/>
-          <a:p>
-            <a:pPr algn="ctr"/>
-            <a:r>
-              <a:rPr lang="ko-KR" altLang="en-US" sz="2000" b="1" dirty="0"/>
-              <a:t>클라이언트</a:t>
-            </a:r>
-          </a:p>
-        </p:txBody>
-      </p:sp>
-      <p:sp>
-        <p:nvSpPr>
-          <p:cNvPr id="7" name="직사각형 6">
-            <a:extLst>
-              <a:ext uri="{FF2B5EF4-FFF2-40B4-BE49-F238E27FC236}">
-                <a16:creationId xmlns:a16="http://schemas.microsoft.com/office/drawing/2014/main" id="{4ACF0106-6151-FD30-C736-196D635BED44}"/>
-              </a:ext>
-            </a:extLst>
-          </p:cNvPr>
-          <p:cNvSpPr/>
-          <p:nvPr/>
-        </p:nvSpPr>
-        <p:spPr>
-          <a:xfrm>
-            <a:off x="2562043" y="4908428"/>
-            <a:ext cx="1552755" cy="1495051"/>
-          </a:xfrm>
-          <a:prstGeom prst="rect">
-            <a:avLst/>
-          </a:prstGeom>
-          <a:solidFill>
-            <a:srgbClr val="0070C0"/>
-          </a:solidFill>
-          <a:ln>
-            <a:noFill/>
-          </a:ln>
-        </p:spPr>
-        <p:style>
-          <a:lnRef idx="2">
-            <a:schemeClr val="accent1">
-              <a:shade val="15000"/>
-            </a:schemeClr>
-          </a:lnRef>
-          <a:fillRef idx="1">
-            <a:schemeClr val="accent1"/>
-          </a:fillRef>
-          <a:effectRef idx="0">
-            <a:schemeClr val="accent1"/>
-          </a:effectRef>
-          <a:fontRef idx="minor">
-            <a:schemeClr val="lt1"/>
-          </a:fontRef>
-        </p:style>
-        <p:txBody>
-          <a:bodyPr rtlCol="0" anchor="ctr"/>
-          <a:lstStyle/>
-          <a:p>
-            <a:pPr algn="ctr"/>
-            <a:r>
-              <a:rPr lang="ko-KR" altLang="en-US" sz="2000" b="1" dirty="0"/>
-              <a:t>클라이언트</a:t>
-            </a:r>
-          </a:p>
-        </p:txBody>
-      </p:sp>
-      <p:sp>
-        <p:nvSpPr>
-          <p:cNvPr id="8" name="직사각형 7">
-            <a:extLst>
-              <a:ext uri="{FF2B5EF4-FFF2-40B4-BE49-F238E27FC236}">
-                <a16:creationId xmlns:a16="http://schemas.microsoft.com/office/drawing/2014/main" id="{7C4F8E53-90ED-C62C-41E1-25BEA8E3BC84}"/>
-              </a:ext>
-            </a:extLst>
-          </p:cNvPr>
-          <p:cNvSpPr/>
-          <p:nvPr/>
-        </p:nvSpPr>
-        <p:spPr>
-          <a:xfrm>
-            <a:off x="4461292" y="4908428"/>
-            <a:ext cx="1552755" cy="1495051"/>
-          </a:xfrm>
-          <a:prstGeom prst="rect">
-            <a:avLst/>
-          </a:prstGeom>
-          <a:solidFill>
-            <a:srgbClr val="0070C0"/>
-          </a:solidFill>
-          <a:ln>
-            <a:noFill/>
-          </a:ln>
-        </p:spPr>
-        <p:style>
-          <a:lnRef idx="2">
-            <a:schemeClr val="accent1">
-              <a:shade val="15000"/>
-            </a:schemeClr>
-          </a:lnRef>
-          <a:fillRef idx="1">
-            <a:schemeClr val="accent1"/>
-          </a:fillRef>
-          <a:effectRef idx="0">
-            <a:schemeClr val="accent1"/>
-          </a:effectRef>
-          <a:fontRef idx="minor">
-            <a:schemeClr val="lt1"/>
-          </a:fontRef>
-        </p:style>
-        <p:txBody>
-          <a:bodyPr rtlCol="0" anchor="ctr"/>
-          <a:lstStyle/>
-          <a:p>
-            <a:pPr algn="ctr"/>
-            <a:r>
-              <a:rPr lang="ko-KR" altLang="en-US" sz="2000" b="1" dirty="0"/>
-              <a:t>클라이언트</a:t>
-            </a:r>
-          </a:p>
-        </p:txBody>
-      </p:sp>
-      <p:sp>
-        <p:nvSpPr>
-          <p:cNvPr id="9" name="직사각형 8">
-            <a:extLst>
-              <a:ext uri="{FF2B5EF4-FFF2-40B4-BE49-F238E27FC236}">
-                <a16:creationId xmlns:a16="http://schemas.microsoft.com/office/drawing/2014/main" id="{411F1977-1DD9-BF95-4120-18180FBF960C}"/>
-              </a:ext>
-            </a:extLst>
-          </p:cNvPr>
-          <p:cNvSpPr/>
-          <p:nvPr/>
-        </p:nvSpPr>
-        <p:spPr>
-          <a:xfrm>
-            <a:off x="8212346" y="4908428"/>
-            <a:ext cx="1552755" cy="1495051"/>
-          </a:xfrm>
-          <a:prstGeom prst="rect">
-            <a:avLst/>
-          </a:prstGeom>
-          <a:solidFill>
-            <a:srgbClr val="0070C0"/>
-          </a:solidFill>
-          <a:ln>
-            <a:noFill/>
-          </a:ln>
-        </p:spPr>
-        <p:style>
-          <a:lnRef idx="2">
-            <a:schemeClr val="accent1">
-              <a:shade val="15000"/>
-            </a:schemeClr>
-          </a:lnRef>
-          <a:fillRef idx="1">
-            <a:schemeClr val="accent1"/>
-          </a:fillRef>
-          <a:effectRef idx="0">
-            <a:schemeClr val="accent1"/>
-          </a:effectRef>
-          <a:fontRef idx="minor">
-            <a:schemeClr val="lt1"/>
-          </a:fontRef>
-        </p:style>
-        <p:txBody>
-          <a:bodyPr rtlCol="0" anchor="ctr"/>
-          <a:lstStyle/>
-          <a:p>
-            <a:pPr algn="ctr"/>
-            <a:r>
-              <a:rPr lang="ko-KR" altLang="en-US" sz="2000" b="1" dirty="0"/>
-              <a:t>클라이언트</a:t>
-            </a:r>
-          </a:p>
-        </p:txBody>
-      </p:sp>
-      <p:sp>
-        <p:nvSpPr>
-          <p:cNvPr id="10" name="직사각형 9">
-            <a:extLst>
-              <a:ext uri="{FF2B5EF4-FFF2-40B4-BE49-F238E27FC236}">
-                <a16:creationId xmlns:a16="http://schemas.microsoft.com/office/drawing/2014/main" id="{B62933E5-D323-B0E2-61FB-CF0CEED2831B}"/>
-              </a:ext>
-            </a:extLst>
-          </p:cNvPr>
-          <p:cNvSpPr/>
-          <p:nvPr/>
-        </p:nvSpPr>
-        <p:spPr>
-          <a:xfrm>
-            <a:off x="10087873" y="3973899"/>
-            <a:ext cx="1552755" cy="1495051"/>
-          </a:xfrm>
-          <a:prstGeom prst="rect">
-            <a:avLst/>
-          </a:prstGeom>
-          <a:solidFill>
-            <a:srgbClr val="0070C0"/>
-          </a:solidFill>
-          <a:ln>
-            <a:noFill/>
-          </a:ln>
-        </p:spPr>
-        <p:style>
-          <a:lnRef idx="2">
-            <a:schemeClr val="accent1">
-              <a:shade val="15000"/>
-            </a:schemeClr>
-          </a:lnRef>
-          <a:fillRef idx="1">
-            <a:schemeClr val="accent1"/>
-          </a:fillRef>
-          <a:effectRef idx="0">
-            <a:schemeClr val="accent1"/>
-          </a:effectRef>
-          <a:fontRef idx="minor">
-            <a:schemeClr val="lt1"/>
-          </a:fontRef>
-        </p:style>
-        <p:txBody>
-          <a:bodyPr rtlCol="0" anchor="ctr"/>
-          <a:lstStyle/>
-          <a:p>
-            <a:pPr algn="ctr"/>
-            <a:r>
-              <a:rPr lang="ko-KR" altLang="en-US" sz="2000" b="1" dirty="0"/>
-              <a:t>클라이언트</a:t>
-            </a:r>
-          </a:p>
-        </p:txBody>
-      </p:sp>
-      <p:sp>
-        <p:nvSpPr>
-          <p:cNvPr id="11" name="직사각형 10">
-            <a:extLst>
-              <a:ext uri="{FF2B5EF4-FFF2-40B4-BE49-F238E27FC236}">
-                <a16:creationId xmlns:a16="http://schemas.microsoft.com/office/drawing/2014/main" id="{5660BB11-2B58-8471-CBF9-94932C6E0586}"/>
-              </a:ext>
-            </a:extLst>
-          </p:cNvPr>
-          <p:cNvSpPr/>
-          <p:nvPr/>
-        </p:nvSpPr>
-        <p:spPr>
-          <a:xfrm>
-            <a:off x="10328694" y="2178217"/>
-            <a:ext cx="1552755" cy="1495051"/>
-          </a:xfrm>
-          <a:prstGeom prst="rect">
-            <a:avLst/>
-          </a:prstGeom>
-          <a:solidFill>
-            <a:srgbClr val="0070C0"/>
-          </a:solidFill>
-          <a:ln>
-            <a:noFill/>
-          </a:ln>
-        </p:spPr>
-        <p:style>
-          <a:lnRef idx="2">
-            <a:schemeClr val="accent1">
-              <a:shade val="15000"/>
-            </a:schemeClr>
-          </a:lnRef>
-          <a:fillRef idx="1">
-            <a:schemeClr val="accent1"/>
-          </a:fillRef>
-          <a:effectRef idx="0">
-            <a:schemeClr val="accent1"/>
-          </a:effectRef>
-          <a:fontRef idx="minor">
-            <a:schemeClr val="lt1"/>
-          </a:fontRef>
-        </p:style>
-        <p:txBody>
-          <a:bodyPr rtlCol="0" anchor="ctr"/>
-          <a:lstStyle/>
-          <a:p>
-            <a:pPr algn="ctr"/>
-            <a:r>
-              <a:rPr lang="ko-KR" altLang="en-US" sz="2000" b="1" dirty="0"/>
-              <a:t>클라이언트</a:t>
-            </a:r>
-          </a:p>
-        </p:txBody>
-      </p:sp>
-      <p:sp>
-        <p:nvSpPr>
-          <p:cNvPr id="12" name="직사각형 11">
-            <a:extLst>
-              <a:ext uri="{FF2B5EF4-FFF2-40B4-BE49-F238E27FC236}">
-                <a16:creationId xmlns:a16="http://schemas.microsoft.com/office/drawing/2014/main" id="{645FBDC7-AFDC-1FC6-AF2A-64A7E47B7104}"/>
-              </a:ext>
-            </a:extLst>
-          </p:cNvPr>
-          <p:cNvSpPr/>
-          <p:nvPr/>
-        </p:nvSpPr>
-        <p:spPr>
-          <a:xfrm>
-            <a:off x="10512724" y="382534"/>
-            <a:ext cx="1552755" cy="1495051"/>
-          </a:xfrm>
-          <a:prstGeom prst="rect">
-            <a:avLst/>
-          </a:prstGeom>
-          <a:solidFill>
-            <a:srgbClr val="0070C0"/>
-          </a:solidFill>
-          <a:ln>
-            <a:noFill/>
-          </a:ln>
-        </p:spPr>
-        <p:style>
-          <a:lnRef idx="2">
-            <a:schemeClr val="accent1">
-              <a:shade val="15000"/>
-            </a:schemeClr>
-          </a:lnRef>
-          <a:fillRef idx="1">
-            <a:schemeClr val="accent1"/>
-          </a:fillRef>
-          <a:effectRef idx="0">
-            <a:schemeClr val="accent1"/>
-          </a:effectRef>
-          <a:fontRef idx="minor">
-            <a:schemeClr val="lt1"/>
-          </a:fontRef>
-        </p:style>
-        <p:txBody>
-          <a:bodyPr rtlCol="0" anchor="ctr"/>
-          <a:lstStyle/>
-          <a:p>
-            <a:pPr algn="ctr"/>
-            <a:r>
-              <a:rPr lang="ko-KR" altLang="en-US" sz="2000" b="1" dirty="0"/>
-              <a:t>클라이언트</a:t>
-            </a:r>
-          </a:p>
-        </p:txBody>
-      </p:sp>
-      <p:sp>
-        <p:nvSpPr>
-          <p:cNvPr id="13" name="직사각형 12">
-            <a:extLst>
-              <a:ext uri="{FF2B5EF4-FFF2-40B4-BE49-F238E27FC236}">
-                <a16:creationId xmlns:a16="http://schemas.microsoft.com/office/drawing/2014/main" id="{681A528B-900C-12AD-3258-FBD187BAB45C}"/>
-              </a:ext>
-            </a:extLst>
-          </p:cNvPr>
-          <p:cNvSpPr/>
-          <p:nvPr/>
-        </p:nvSpPr>
-        <p:spPr>
-          <a:xfrm>
-            <a:off x="178279" y="382534"/>
-            <a:ext cx="1552755" cy="1495051"/>
-          </a:xfrm>
-          <a:prstGeom prst="rect">
-            <a:avLst/>
-          </a:prstGeom>
-          <a:solidFill>
-            <a:srgbClr val="0070C0"/>
-          </a:solidFill>
-          <a:ln>
-            <a:noFill/>
-          </a:ln>
-        </p:spPr>
-        <p:style>
-          <a:lnRef idx="2">
-            <a:schemeClr val="accent1">
-              <a:shade val="15000"/>
-            </a:schemeClr>
-          </a:lnRef>
-          <a:fillRef idx="1">
-            <a:schemeClr val="accent1"/>
-          </a:fillRef>
-          <a:effectRef idx="0">
-            <a:schemeClr val="accent1"/>
-          </a:effectRef>
-          <a:fontRef idx="minor">
-            <a:schemeClr val="lt1"/>
-          </a:fontRef>
-        </p:style>
-        <p:txBody>
-          <a:bodyPr rtlCol="0" anchor="ctr"/>
-          <a:lstStyle/>
-          <a:p>
-            <a:pPr algn="ctr"/>
-            <a:r>
-              <a:rPr lang="ko-KR" altLang="en-US" sz="2000" b="1" dirty="0"/>
-              <a:t>클라이언트</a:t>
-            </a:r>
-          </a:p>
-        </p:txBody>
-      </p:sp>
-      <p:sp>
-        <p:nvSpPr>
-          <p:cNvPr id="14" name="직사각형 13">
-            <a:extLst>
-              <a:ext uri="{FF2B5EF4-FFF2-40B4-BE49-F238E27FC236}">
-                <a16:creationId xmlns:a16="http://schemas.microsoft.com/office/drawing/2014/main" id="{D58E7D00-5EF0-8785-C937-2BA076D607BD}"/>
-              </a:ext>
-            </a:extLst>
-          </p:cNvPr>
-          <p:cNvSpPr/>
-          <p:nvPr/>
-        </p:nvSpPr>
-        <p:spPr>
-          <a:xfrm>
-            <a:off x="6336819" y="4908428"/>
-            <a:ext cx="1552755" cy="1495051"/>
-          </a:xfrm>
-          <a:prstGeom prst="rect">
-            <a:avLst/>
-          </a:prstGeom>
-          <a:solidFill>
-            <a:srgbClr val="0070C0"/>
-          </a:solidFill>
-          <a:ln>
-            <a:noFill/>
-          </a:ln>
-        </p:spPr>
-        <p:style>
-          <a:lnRef idx="2">
-            <a:schemeClr val="accent1">
-              <a:shade val="15000"/>
-            </a:schemeClr>
-          </a:lnRef>
-          <a:fillRef idx="1">
-            <a:schemeClr val="accent1"/>
-          </a:fillRef>
-          <a:effectRef idx="0">
-            <a:schemeClr val="accent1"/>
-          </a:effectRef>
-          <a:fontRef idx="minor">
-            <a:schemeClr val="lt1"/>
-          </a:fontRef>
-        </p:style>
-        <p:txBody>
-          <a:bodyPr rtlCol="0" anchor="ctr"/>
-          <a:lstStyle/>
-          <a:p>
-            <a:pPr algn="ctr"/>
-            <a:r>
-              <a:rPr lang="ko-KR" altLang="en-US" sz="2000" b="1" dirty="0"/>
-              <a:t>클라이언트</a:t>
-            </a:r>
-          </a:p>
-        </p:txBody>
-      </p:sp>
-      <p:cxnSp>
-        <p:nvCxnSpPr>
-          <p:cNvPr id="16" name="직선 연결선 15">
-            <a:extLst>
-              <a:ext uri="{FF2B5EF4-FFF2-40B4-BE49-F238E27FC236}">
-                <a16:creationId xmlns:a16="http://schemas.microsoft.com/office/drawing/2014/main" id="{1DFBF4E9-A586-9BA2-4072-B5E52E7FAFE9}"/>
-              </a:ext>
-            </a:extLst>
-          </p:cNvPr>
-          <p:cNvCxnSpPr>
-            <a:stCxn id="13" idx="3"/>
-            <a:endCxn id="4" idx="1"/>
-          </p:cNvCxnSpPr>
-          <p:nvPr/>
-        </p:nvCxnSpPr>
-        <p:spPr>
-          <a:xfrm>
-            <a:off x="1731034" y="1130060"/>
-            <a:ext cx="1518249" cy="1"/>
-          </a:xfrm>
-          <a:prstGeom prst="line">
-            <a:avLst/>
-          </a:prstGeom>
-        </p:spPr>
-        <p:style>
-          <a:lnRef idx="2">
-            <a:schemeClr val="accent1"/>
-          </a:lnRef>
-          <a:fillRef idx="0">
-            <a:schemeClr val="accent1"/>
-          </a:fillRef>
-          <a:effectRef idx="1">
-            <a:schemeClr val="accent1"/>
-          </a:effectRef>
-          <a:fontRef idx="minor">
-            <a:schemeClr val="tx1"/>
-          </a:fontRef>
-        </p:style>
-      </p:cxnSp>
-      <p:cxnSp>
-        <p:nvCxnSpPr>
-          <p:cNvPr id="17" name="직선 연결선 16">
-            <a:extLst>
-              <a:ext uri="{FF2B5EF4-FFF2-40B4-BE49-F238E27FC236}">
-                <a16:creationId xmlns:a16="http://schemas.microsoft.com/office/drawing/2014/main" id="{EB55B4F5-0DCB-D3C7-A6A0-00F05812D9D2}"/>
-              </a:ext>
-            </a:extLst>
-          </p:cNvPr>
-          <p:cNvCxnSpPr>
-            <a:cxnSpLocks/>
-            <a:stCxn id="5" idx="3"/>
-          </p:cNvCxnSpPr>
-          <p:nvPr/>
-        </p:nvCxnSpPr>
-        <p:spPr>
-          <a:xfrm flipV="1">
-            <a:off x="1989827" y="1495245"/>
-            <a:ext cx="1259456" cy="1430498"/>
-          </a:xfrm>
-          <a:prstGeom prst="line">
-            <a:avLst/>
-          </a:prstGeom>
-        </p:spPr>
-        <p:style>
-          <a:lnRef idx="2">
-            <a:schemeClr val="accent1"/>
-          </a:lnRef>
-          <a:fillRef idx="0">
-            <a:schemeClr val="accent1"/>
-          </a:fillRef>
-          <a:effectRef idx="1">
-            <a:schemeClr val="accent1"/>
-          </a:effectRef>
-          <a:fontRef idx="minor">
-            <a:schemeClr val="tx1"/>
-          </a:fontRef>
-        </p:style>
-      </p:cxnSp>
-      <p:cxnSp>
-        <p:nvCxnSpPr>
-          <p:cNvPr id="20" name="직선 연결선 19">
-            <a:extLst>
-              <a:ext uri="{FF2B5EF4-FFF2-40B4-BE49-F238E27FC236}">
-                <a16:creationId xmlns:a16="http://schemas.microsoft.com/office/drawing/2014/main" id="{7766454A-5393-BBD4-498F-F17C6968D5CF}"/>
-              </a:ext>
-            </a:extLst>
-          </p:cNvPr>
-          <p:cNvCxnSpPr>
-            <a:cxnSpLocks/>
-            <a:stCxn id="6" idx="3"/>
-          </p:cNvCxnSpPr>
-          <p:nvPr/>
-        </p:nvCxnSpPr>
-        <p:spPr>
-          <a:xfrm flipV="1">
-            <a:off x="2268745" y="1949570"/>
-            <a:ext cx="1710908" cy="2771856"/>
-          </a:xfrm>
-          <a:prstGeom prst="line">
-            <a:avLst/>
-          </a:prstGeom>
-        </p:spPr>
-        <p:style>
-          <a:lnRef idx="2">
-            <a:schemeClr val="accent1"/>
-          </a:lnRef>
-          <a:fillRef idx="0">
-            <a:schemeClr val="accent1"/>
-          </a:fillRef>
-          <a:effectRef idx="1">
-            <a:schemeClr val="accent1"/>
-          </a:effectRef>
-          <a:fontRef idx="minor">
-            <a:schemeClr val="tx1"/>
-          </a:fontRef>
-        </p:style>
-      </p:cxnSp>
-      <p:cxnSp>
-        <p:nvCxnSpPr>
-          <p:cNvPr id="24" name="직선 연결선 23">
-            <a:extLst>
-              <a:ext uri="{FF2B5EF4-FFF2-40B4-BE49-F238E27FC236}">
-                <a16:creationId xmlns:a16="http://schemas.microsoft.com/office/drawing/2014/main" id="{FBA585AA-A9E8-8A17-027A-91D8FD852FEA}"/>
-              </a:ext>
-            </a:extLst>
-          </p:cNvPr>
-          <p:cNvCxnSpPr>
-            <a:cxnSpLocks/>
-            <a:stCxn id="7" idx="0"/>
-          </p:cNvCxnSpPr>
-          <p:nvPr/>
-        </p:nvCxnSpPr>
-        <p:spPr>
-          <a:xfrm flipV="1">
-            <a:off x="3338421" y="1949570"/>
-            <a:ext cx="1722409" cy="2958858"/>
-          </a:xfrm>
-          <a:prstGeom prst="line">
-            <a:avLst/>
-          </a:prstGeom>
-        </p:spPr>
-        <p:style>
-          <a:lnRef idx="2">
-            <a:schemeClr val="accent1"/>
-          </a:lnRef>
-          <a:fillRef idx="0">
-            <a:schemeClr val="accent1"/>
-          </a:fillRef>
-          <a:effectRef idx="1">
-            <a:schemeClr val="accent1"/>
-          </a:effectRef>
-          <a:fontRef idx="minor">
-            <a:schemeClr val="tx1"/>
-          </a:fontRef>
-        </p:style>
-      </p:cxnSp>
-      <p:cxnSp>
-        <p:nvCxnSpPr>
-          <p:cNvPr id="27" name="직선 연결선 26">
-            <a:extLst>
-              <a:ext uri="{FF2B5EF4-FFF2-40B4-BE49-F238E27FC236}">
-                <a16:creationId xmlns:a16="http://schemas.microsoft.com/office/drawing/2014/main" id="{DAE8D347-4AC1-4845-62B4-235CC1C890D7}"/>
-              </a:ext>
-            </a:extLst>
-          </p:cNvPr>
-          <p:cNvCxnSpPr>
-            <a:cxnSpLocks/>
-            <a:stCxn id="8" idx="0"/>
-            <a:endCxn id="4" idx="2"/>
-          </p:cNvCxnSpPr>
-          <p:nvPr/>
-        </p:nvCxnSpPr>
-        <p:spPr>
-          <a:xfrm flipV="1">
-            <a:off x="5237670" y="1949570"/>
-            <a:ext cx="789319" cy="2958858"/>
-          </a:xfrm>
-          <a:prstGeom prst="line">
-            <a:avLst/>
-          </a:prstGeom>
-        </p:spPr>
-        <p:style>
-          <a:lnRef idx="2">
-            <a:schemeClr val="accent1"/>
-          </a:lnRef>
-          <a:fillRef idx="0">
-            <a:schemeClr val="accent1"/>
-          </a:fillRef>
-          <a:effectRef idx="1">
-            <a:schemeClr val="accent1"/>
-          </a:effectRef>
-          <a:fontRef idx="minor">
-            <a:schemeClr val="tx1"/>
-          </a:fontRef>
-        </p:style>
-      </p:cxnSp>
-      <p:cxnSp>
-        <p:nvCxnSpPr>
-          <p:cNvPr id="30" name="직선 연결선 29">
-            <a:extLst>
-              <a:ext uri="{FF2B5EF4-FFF2-40B4-BE49-F238E27FC236}">
-                <a16:creationId xmlns:a16="http://schemas.microsoft.com/office/drawing/2014/main" id="{44605975-F0BE-F250-7E6A-76EDAEFF5F03}"/>
-              </a:ext>
-            </a:extLst>
-          </p:cNvPr>
-          <p:cNvCxnSpPr>
-            <a:cxnSpLocks/>
-            <a:stCxn id="14" idx="0"/>
-            <a:endCxn id="4" idx="2"/>
-          </p:cNvCxnSpPr>
-          <p:nvPr/>
-        </p:nvCxnSpPr>
-        <p:spPr>
-          <a:xfrm flipH="1" flipV="1">
-            <a:off x="6026989" y="1949570"/>
-            <a:ext cx="1086208" cy="2958858"/>
-          </a:xfrm>
-          <a:prstGeom prst="line">
-            <a:avLst/>
-          </a:prstGeom>
-        </p:spPr>
-        <p:style>
-          <a:lnRef idx="2">
-            <a:schemeClr val="accent1"/>
-          </a:lnRef>
-          <a:fillRef idx="0">
-            <a:schemeClr val="accent1"/>
-          </a:fillRef>
-          <a:effectRef idx="1">
-            <a:schemeClr val="accent1"/>
-          </a:effectRef>
-          <a:fontRef idx="minor">
-            <a:schemeClr val="tx1"/>
-          </a:fontRef>
-        </p:style>
-      </p:cxnSp>
-      <p:cxnSp>
-        <p:nvCxnSpPr>
-          <p:cNvPr id="33" name="직선 연결선 32">
-            <a:extLst>
-              <a:ext uri="{FF2B5EF4-FFF2-40B4-BE49-F238E27FC236}">
-                <a16:creationId xmlns:a16="http://schemas.microsoft.com/office/drawing/2014/main" id="{0D92FFF0-591A-1318-596E-26C3F29D8ADF}"/>
-              </a:ext>
-            </a:extLst>
-          </p:cNvPr>
-          <p:cNvCxnSpPr>
-            <a:cxnSpLocks/>
-            <a:stCxn id="9" idx="0"/>
-          </p:cNvCxnSpPr>
-          <p:nvPr/>
-        </p:nvCxnSpPr>
-        <p:spPr>
-          <a:xfrm flipH="1" flipV="1">
-            <a:off x="7113197" y="1949570"/>
-            <a:ext cx="1875527" cy="2958858"/>
-          </a:xfrm>
-          <a:prstGeom prst="line">
-            <a:avLst/>
-          </a:prstGeom>
-        </p:spPr>
-        <p:style>
-          <a:lnRef idx="2">
-            <a:schemeClr val="accent1"/>
-          </a:lnRef>
-          <a:fillRef idx="0">
-            <a:schemeClr val="accent1"/>
-          </a:fillRef>
-          <a:effectRef idx="1">
-            <a:schemeClr val="accent1"/>
-          </a:effectRef>
-          <a:fontRef idx="minor">
-            <a:schemeClr val="tx1"/>
-          </a:fontRef>
-        </p:style>
-      </p:cxnSp>
-      <p:cxnSp>
-        <p:nvCxnSpPr>
-          <p:cNvPr id="36" name="직선 연결선 35">
-            <a:extLst>
-              <a:ext uri="{FF2B5EF4-FFF2-40B4-BE49-F238E27FC236}">
-                <a16:creationId xmlns:a16="http://schemas.microsoft.com/office/drawing/2014/main" id="{94D7A944-17FB-5395-2077-8624D66324D3}"/>
-              </a:ext>
-            </a:extLst>
-          </p:cNvPr>
-          <p:cNvCxnSpPr>
-            <a:cxnSpLocks/>
-            <a:stCxn id="10" idx="1"/>
-          </p:cNvCxnSpPr>
-          <p:nvPr/>
-        </p:nvCxnSpPr>
-        <p:spPr>
-          <a:xfrm flipH="1" flipV="1">
-            <a:off x="8482642" y="1949570"/>
-            <a:ext cx="1605231" cy="2771855"/>
-          </a:xfrm>
-          <a:prstGeom prst="line">
-            <a:avLst/>
-          </a:prstGeom>
-        </p:spPr>
-        <p:style>
-          <a:lnRef idx="2">
-            <a:schemeClr val="accent1"/>
-          </a:lnRef>
-          <a:fillRef idx="0">
-            <a:schemeClr val="accent1"/>
-          </a:fillRef>
-          <a:effectRef idx="1">
-            <a:schemeClr val="accent1"/>
-          </a:effectRef>
-          <a:fontRef idx="minor">
-            <a:schemeClr val="tx1"/>
-          </a:fontRef>
-        </p:style>
-      </p:cxnSp>
-      <p:cxnSp>
-        <p:nvCxnSpPr>
-          <p:cNvPr id="39" name="직선 연결선 38">
-            <a:extLst>
-              <a:ext uri="{FF2B5EF4-FFF2-40B4-BE49-F238E27FC236}">
-                <a16:creationId xmlns:a16="http://schemas.microsoft.com/office/drawing/2014/main" id="{0ABB3C6B-0610-9A90-5FF8-9794DEF9DC08}"/>
-              </a:ext>
-            </a:extLst>
-          </p:cNvPr>
-          <p:cNvCxnSpPr>
-            <a:cxnSpLocks/>
-            <a:stCxn id="11" idx="1"/>
-          </p:cNvCxnSpPr>
-          <p:nvPr/>
-        </p:nvCxnSpPr>
-        <p:spPr>
-          <a:xfrm flipH="1" flipV="1">
-            <a:off x="8804694" y="1495245"/>
-            <a:ext cx="1524000" cy="1430498"/>
-          </a:xfrm>
-          <a:prstGeom prst="line">
-            <a:avLst/>
-          </a:prstGeom>
-        </p:spPr>
-        <p:style>
-          <a:lnRef idx="2">
-            <a:schemeClr val="accent1"/>
-          </a:lnRef>
-          <a:fillRef idx="0">
-            <a:schemeClr val="accent1"/>
-          </a:fillRef>
-          <a:effectRef idx="1">
-            <a:schemeClr val="accent1"/>
-          </a:effectRef>
-          <a:fontRef idx="minor">
-            <a:schemeClr val="tx1"/>
-          </a:fontRef>
-        </p:style>
-      </p:cxnSp>
-      <p:cxnSp>
-        <p:nvCxnSpPr>
-          <p:cNvPr id="42" name="직선 연결선 41">
-            <a:extLst>
-              <a:ext uri="{FF2B5EF4-FFF2-40B4-BE49-F238E27FC236}">
-                <a16:creationId xmlns:a16="http://schemas.microsoft.com/office/drawing/2014/main" id="{A394980C-2631-F76F-DD66-EB53B32D2776}"/>
-              </a:ext>
-            </a:extLst>
-          </p:cNvPr>
-          <p:cNvCxnSpPr>
-            <a:cxnSpLocks/>
-            <a:stCxn id="12" idx="1"/>
-            <a:endCxn id="4" idx="3"/>
-          </p:cNvCxnSpPr>
-          <p:nvPr/>
-        </p:nvCxnSpPr>
-        <p:spPr>
-          <a:xfrm flipH="1">
-            <a:off x="8804694" y="1130060"/>
-            <a:ext cx="1708030" cy="1"/>
-          </a:xfrm>
-          <a:prstGeom prst="line">
-            <a:avLst/>
-          </a:prstGeom>
-        </p:spPr>
-        <p:style>
-          <a:lnRef idx="2">
-            <a:schemeClr val="accent1"/>
-          </a:lnRef>
-          <a:fillRef idx="0">
-            <a:schemeClr val="accent1"/>
-          </a:fillRef>
-          <a:effectRef idx="1">
-            <a:schemeClr val="accent1"/>
-          </a:effectRef>
-          <a:fontRef idx="minor">
-            <a:schemeClr val="tx1"/>
-          </a:fontRef>
-        </p:style>
-      </p:cxnSp>
-    </p:spTree>
-    <p:extLst>
-      <p:ext uri="{BB962C8B-B14F-4D97-AF65-F5344CB8AC3E}">
-        <p14:creationId xmlns:p14="http://schemas.microsoft.com/office/powerpoint/2010/main" val="2321145376"/>
-      </p:ext>
-    </p:extLst>
-  </p:cSld>
-  <p:clrMapOvr>
-    <a:masterClrMapping/>
-  </p:clrMapOvr>
-</p:sld>
-</file>
-
-<file path=ppt/slides/slide2.xml><?xml version="1.0" encoding="utf-8"?>
-<p:sld xmlns:a="http://schemas.openxmlformats.org/drawingml/2006/main" xmlns:r="http://schemas.openxmlformats.org/officeDocument/2006/relationships" xmlns:p="http://schemas.openxmlformats.org/presentationml/2006/main">
-  <p:cSld>
-    <p:spTree>
-      <p:nvGrpSpPr>
         <p:cNvPr id="1" name="">
           <a:extLst>
             <a:ext uri="{FF2B5EF4-FFF2-40B4-BE49-F238E27FC236}">
@@ -5287,7 +4266,7 @@
 </p:sld>
 </file>
 
-<file path=ppt/slides/slide3.xml><?xml version="1.0" encoding="utf-8"?>
+<file path=ppt/slides/slide2.xml><?xml version="1.0" encoding="utf-8"?>
 <p:sld xmlns:a="http://schemas.openxmlformats.org/drawingml/2006/main" xmlns:r="http://schemas.openxmlformats.org/officeDocument/2006/relationships" xmlns:p="http://schemas.openxmlformats.org/presentationml/2006/main">
   <p:cSld>
     <p:spTree>
@@ -6715,7 +5694,7 @@
                             </p:stCondLst>
                             <p:childTnLst>
                               <p:par>
-                                <p:cTn id="5" presetID="10" presetClass="entr" presetSubtype="0" fill="hold" grpId="0" nodeType="clickEffect">
+                                <p:cTn id="5" presetID="22" presetClass="entr" presetSubtype="4" fill="hold" nodeType="clickEffect">
                                   <p:stCondLst>
                                     <p:cond delay="0"/>
                                   </p:stCondLst>
@@ -6728,7 +5707,7 @@
                                           </p:stCondLst>
                                         </p:cTn>
                                         <p:tgtEl>
-                                          <p:spTgt spid="5"/>
+                                          <p:spTgt spid="2"/>
                                         </p:tgtEl>
                                         <p:attrNameLst>
                                           <p:attrName>style.visibility</p:attrName>
@@ -6738,11 +5717,11 @@
                                         <p:strVal val="visible"/>
                                       </p:to>
                                     </p:set>
-                                    <p:animEffect transition="in" filter="fade">
+                                    <p:animEffect transition="in" filter="wipe(down)">
                                       <p:cBhvr>
                                         <p:cTn id="7" dur="500"/>
                                         <p:tgtEl>
-                                          <p:spTgt spid="5"/>
+                                          <p:spTgt spid="2"/>
                                         </p:tgtEl>
                                       </p:cBhvr>
                                     </p:animEffect>
@@ -6768,7 +5747,7 @@
                             </p:stCondLst>
                             <p:childTnLst>
                               <p:par>
-                                <p:cTn id="10" presetID="22" presetClass="entr" presetSubtype="4" fill="hold" nodeType="clickEffect">
+                                <p:cTn id="10" presetID="10" presetClass="entr" presetSubtype="0" fill="hold" grpId="0" nodeType="clickEffect">
                                   <p:stCondLst>
                                     <p:cond delay="0"/>
                                   </p:stCondLst>
@@ -6781,7 +5760,7 @@
                                           </p:stCondLst>
                                         </p:cTn>
                                         <p:tgtEl>
-                                          <p:spTgt spid="2"/>
+                                          <p:spTgt spid="5"/>
                                         </p:tgtEl>
                                         <p:attrNameLst>
                                           <p:attrName>style.visibility</p:attrName>
@@ -6791,11 +5770,11 @@
                                         <p:strVal val="visible"/>
                                       </p:to>
                                     </p:set>
-                                    <p:animEffect transition="in" filter="wipe(down)">
+                                    <p:animEffect transition="in" filter="fade">
                                       <p:cBhvr>
                                         <p:cTn id="12" dur="500"/>
                                         <p:tgtEl>
-                                          <p:spTgt spid="2"/>
+                                          <p:spTgt spid="5"/>
                                         </p:tgtEl>
                                       </p:cBhvr>
                                     </p:animEffect>
@@ -6821,7 +5800,7 @@
                             </p:stCondLst>
                             <p:childTnLst>
                               <p:par>
-                                <p:cTn id="15" presetID="10" presetClass="entr" presetSubtype="0" fill="hold" grpId="0" nodeType="clickEffect">
+                                <p:cTn id="15" presetID="22" presetClass="entr" presetSubtype="4" fill="hold" nodeType="clickEffect">
                                   <p:stCondLst>
                                     <p:cond delay="0"/>
                                   </p:stCondLst>
@@ -6834,7 +5813,7 @@
                                           </p:stCondLst>
                                         </p:cTn>
                                         <p:tgtEl>
-                                          <p:spTgt spid="6"/>
+                                          <p:spTgt spid="3"/>
                                         </p:tgtEl>
                                         <p:attrNameLst>
                                           <p:attrName>style.visibility</p:attrName>
@@ -6844,11 +5823,11 @@
                                         <p:strVal val="visible"/>
                                       </p:to>
                                     </p:set>
-                                    <p:animEffect transition="in" filter="fade">
+                                    <p:animEffect transition="in" filter="wipe(down)">
                                       <p:cBhvr>
                                         <p:cTn id="17" dur="500"/>
                                         <p:tgtEl>
-                                          <p:spTgt spid="6"/>
+                                          <p:spTgt spid="3"/>
                                         </p:tgtEl>
                                       </p:cBhvr>
                                     </p:animEffect>
@@ -6874,7 +5853,7 @@
                             </p:stCondLst>
                             <p:childTnLst>
                               <p:par>
-                                <p:cTn id="20" presetID="22" presetClass="entr" presetSubtype="4" fill="hold" nodeType="clickEffect">
+                                <p:cTn id="20" presetID="10" presetClass="entr" presetSubtype="0" fill="hold" grpId="0" nodeType="clickEffect">
                                   <p:stCondLst>
                                     <p:cond delay="0"/>
                                   </p:stCondLst>
@@ -6887,7 +5866,7 @@
                                           </p:stCondLst>
                                         </p:cTn>
                                         <p:tgtEl>
-                                          <p:spTgt spid="3"/>
+                                          <p:spTgt spid="6"/>
                                         </p:tgtEl>
                                         <p:attrNameLst>
                                           <p:attrName>style.visibility</p:attrName>
@@ -6897,11 +5876,11 @@
                                         <p:strVal val="visible"/>
                                       </p:to>
                                     </p:set>
-                                    <p:animEffect transition="in" filter="wipe(down)">
+                                    <p:animEffect transition="in" filter="fade">
                                       <p:cBhvr>
                                         <p:cTn id="22" dur="500"/>
                                         <p:tgtEl>
-                                          <p:spTgt spid="3"/>
+                                          <p:spTgt spid="6"/>
                                         </p:tgtEl>
                                       </p:cBhvr>
                                     </p:animEffect>
@@ -6927,7 +5906,7 @@
                             </p:stCondLst>
                             <p:childTnLst>
                               <p:par>
-                                <p:cTn id="25" presetID="10" presetClass="entr" presetSubtype="0" fill="hold" grpId="0" nodeType="clickEffect">
+                                <p:cTn id="25" presetID="22" presetClass="entr" presetSubtype="4" fill="hold" nodeType="clickEffect">
                                   <p:stCondLst>
                                     <p:cond delay="0"/>
                                   </p:stCondLst>
@@ -6940,7 +5919,7 @@
                                           </p:stCondLst>
                                         </p:cTn>
                                         <p:tgtEl>
-                                          <p:spTgt spid="10"/>
+                                          <p:spTgt spid="15"/>
                                         </p:tgtEl>
                                         <p:attrNameLst>
                                           <p:attrName>style.visibility</p:attrName>
@@ -6950,11 +5929,11 @@
                                         <p:strVal val="visible"/>
                                       </p:to>
                                     </p:set>
-                                    <p:animEffect transition="in" filter="fade">
+                                    <p:animEffect transition="in" filter="wipe(down)">
                                       <p:cBhvr>
                                         <p:cTn id="27" dur="500"/>
                                         <p:tgtEl>
-                                          <p:spTgt spid="10"/>
+                                          <p:spTgt spid="15"/>
                                         </p:tgtEl>
                                       </p:cBhvr>
                                     </p:animEffect>
@@ -6980,7 +5959,7 @@
                             </p:stCondLst>
                             <p:childTnLst>
                               <p:par>
-                                <p:cTn id="30" presetID="22" presetClass="entr" presetSubtype="4" fill="hold" nodeType="clickEffect">
+                                <p:cTn id="30" presetID="10" presetClass="entr" presetSubtype="0" fill="hold" grpId="0" nodeType="clickEffect">
                                   <p:stCondLst>
                                     <p:cond delay="0"/>
                                   </p:stCondLst>
@@ -6993,7 +5972,7 @@
                                           </p:stCondLst>
                                         </p:cTn>
                                         <p:tgtEl>
-                                          <p:spTgt spid="15"/>
+                                          <p:spTgt spid="10"/>
                                         </p:tgtEl>
                                         <p:attrNameLst>
                                           <p:attrName>style.visibility</p:attrName>
@@ -7003,11 +5982,11 @@
                                         <p:strVal val="visible"/>
                                       </p:to>
                                     </p:set>
-                                    <p:animEffect transition="in" filter="wipe(down)">
+                                    <p:animEffect transition="in" filter="fade">
                                       <p:cBhvr>
                                         <p:cTn id="32" dur="500"/>
                                         <p:tgtEl>
-                                          <p:spTgt spid="15"/>
+                                          <p:spTgt spid="10"/>
                                         </p:tgtEl>
                                       </p:cBhvr>
                                     </p:animEffect>
@@ -7033,7 +6012,7 @@
                             </p:stCondLst>
                             <p:childTnLst>
                               <p:par>
-                                <p:cTn id="35" presetID="10" presetClass="entr" presetSubtype="0" fill="hold" grpId="0" nodeType="clickEffect">
+                                <p:cTn id="35" presetID="22" presetClass="entr" presetSubtype="4" fill="hold" nodeType="clickEffect">
                                   <p:stCondLst>
                                     <p:cond delay="0"/>
                                   </p:stCondLst>
@@ -7046,7 +6025,7 @@
                                           </p:stCondLst>
                                         </p:cTn>
                                         <p:tgtEl>
-                                          <p:spTgt spid="11"/>
+                                          <p:spTgt spid="16"/>
                                         </p:tgtEl>
                                         <p:attrNameLst>
                                           <p:attrName>style.visibility</p:attrName>
@@ -7056,11 +6035,11 @@
                                         <p:strVal val="visible"/>
                                       </p:to>
                                     </p:set>
-                                    <p:animEffect transition="in" filter="fade">
+                                    <p:animEffect transition="in" filter="wipe(down)">
                                       <p:cBhvr>
                                         <p:cTn id="37" dur="500"/>
                                         <p:tgtEl>
-                                          <p:spTgt spid="11"/>
+                                          <p:spTgt spid="16"/>
                                         </p:tgtEl>
                                       </p:cBhvr>
                                     </p:animEffect>
@@ -7086,7 +6065,7 @@
                             </p:stCondLst>
                             <p:childTnLst>
                               <p:par>
-                                <p:cTn id="40" presetID="22" presetClass="entr" presetSubtype="4" fill="hold" nodeType="clickEffect">
+                                <p:cTn id="40" presetID="10" presetClass="entr" presetSubtype="0" fill="hold" grpId="0" nodeType="clickEffect">
                                   <p:stCondLst>
                                     <p:cond delay="0"/>
                                   </p:stCondLst>
@@ -7099,7 +6078,7 @@
                                           </p:stCondLst>
                                         </p:cTn>
                                         <p:tgtEl>
-                                          <p:spTgt spid="16"/>
+                                          <p:spTgt spid="11"/>
                                         </p:tgtEl>
                                         <p:attrNameLst>
                                           <p:attrName>style.visibility</p:attrName>
@@ -7109,11 +6088,11 @@
                                         <p:strVal val="visible"/>
                                       </p:to>
                                     </p:set>
-                                    <p:animEffect transition="in" filter="wipe(down)">
+                                    <p:animEffect transition="in" filter="fade">
                                       <p:cBhvr>
                                         <p:cTn id="42" dur="500"/>
                                         <p:tgtEl>
-                                          <p:spTgt spid="16"/>
+                                          <p:spTgt spid="11"/>
                                         </p:tgtEl>
                                       </p:cBhvr>
                                     </p:animEffect>
@@ -7807,7 +6786,7 @@
 </p:sld>
 </file>
 
-<file path=ppt/slides/slide4.xml><?xml version="1.0" encoding="utf-8"?>
+<file path=ppt/slides/slide3.xml><?xml version="1.0" encoding="utf-8"?>
 <p:sld xmlns:a="http://schemas.openxmlformats.org/drawingml/2006/main" xmlns:r="http://schemas.openxmlformats.org/officeDocument/2006/relationships" xmlns:p="http://schemas.openxmlformats.org/presentationml/2006/main">
   <p:cSld>
     <p:spTree>
@@ -9489,7 +8468,7 @@
 </p:sld>
 </file>
 
-<file path=ppt/slides/slide5.xml><?xml version="1.0" encoding="utf-8"?>
+<file path=ppt/slides/slide4.xml><?xml version="1.0" encoding="utf-8"?>
 <p:sld xmlns:a="http://schemas.openxmlformats.org/drawingml/2006/main" xmlns:r="http://schemas.openxmlformats.org/officeDocument/2006/relationships" xmlns:p="http://schemas.openxmlformats.org/presentationml/2006/main">
   <p:cSld>
     <p:spTree>
@@ -11546,7 +10525,7 @@
 </p:sld>
 </file>
 
-<file path=ppt/slides/slide6.xml><?xml version="1.0" encoding="utf-8"?>
+<file path=ppt/slides/slide5.xml><?xml version="1.0" encoding="utf-8"?>
 <p:sld xmlns:a="http://schemas.openxmlformats.org/drawingml/2006/main" xmlns:r="http://schemas.openxmlformats.org/officeDocument/2006/relationships" xmlns:p="http://schemas.openxmlformats.org/presentationml/2006/main">
   <p:cSld>
     <p:spTree>
@@ -13522,7 +12501,7 @@
 </p:sld>
 </file>
 
-<file path=ppt/slides/slide7.xml><?xml version="1.0" encoding="utf-8"?>
+<file path=ppt/slides/slide6.xml><?xml version="1.0" encoding="utf-8"?>
 <p:sld xmlns:a="http://schemas.openxmlformats.org/drawingml/2006/main" xmlns:r="http://schemas.openxmlformats.org/officeDocument/2006/relationships" xmlns:p="http://schemas.openxmlformats.org/presentationml/2006/main">
   <p:cSld>
     <p:spTree>
@@ -14600,20 +13579,12 @@
           <a:p>
             <a:pPr algn="ctr"/>
             <a:r>
-              <a:rPr lang="en-US" altLang="ko-KR" sz="2000" b="1" dirty="0" err="1">
-                <a:solidFill>
-                  <a:schemeClr val="tx1"/>
-                </a:solidFill>
-              </a:rPr>
-              <a:t>send_queue</a:t>
-            </a:r>
-            <a:r>
               <a:rPr lang="en-US" altLang="ko-KR" sz="2000" b="1" dirty="0">
                 <a:solidFill>
                   <a:schemeClr val="tx1"/>
                 </a:solidFill>
               </a:rPr>
-              <a:t> </a:t>
+              <a:t>queue </a:t>
             </a:r>
             <a:r>
               <a:rPr lang="ko-KR" altLang="en-US" sz="2000" b="1" dirty="0">
@@ -14981,7 +13952,7 @@
 </p:sld>
 </file>
 
-<file path=ppt/slides/slide8.xml><?xml version="1.0" encoding="utf-8"?>
+<file path=ppt/slides/slide7.xml><?xml version="1.0" encoding="utf-8"?>
 <p:sld xmlns:a="http://schemas.openxmlformats.org/drawingml/2006/main" xmlns:r="http://schemas.openxmlformats.org/officeDocument/2006/relationships" xmlns:p="http://schemas.openxmlformats.org/presentationml/2006/main">
   <p:cSld>
     <p:spTree>
@@ -16392,20 +15363,12 @@
           <a:p>
             <a:pPr algn="ctr"/>
             <a:r>
-              <a:rPr lang="en-US" altLang="ko-KR" sz="2000" b="1" dirty="0" err="1">
-                <a:solidFill>
-                  <a:schemeClr val="tx1"/>
-                </a:solidFill>
-              </a:rPr>
-              <a:t>send_queue</a:t>
-            </a:r>
-            <a:r>
               <a:rPr lang="en-US" altLang="ko-KR" sz="2000" b="1" dirty="0">
                 <a:solidFill>
                   <a:schemeClr val="tx1"/>
                 </a:solidFill>
               </a:rPr>
-              <a:t> </a:t>
+              <a:t>queue </a:t>
             </a:r>
             <a:r>
               <a:rPr lang="ko-KR" altLang="en-US" sz="2000" b="1" dirty="0">
